--- a/User Interface 1.pptx
+++ b/User Interface 1.pptx
@@ -5,7 +5,7 @@
     <p:sldMasterId id="2147483648" r:id="rId1"/>
   </p:sldMasterIdLst>
   <p:notesMasterIdLst>
-    <p:notesMasterId r:id="rId10"/>
+    <p:notesMasterId r:id="rId11"/>
   </p:notesMasterIdLst>
   <p:sldIdLst>
     <p:sldId id="256" r:id="rId2"/>
@@ -16,6 +16,7 @@
     <p:sldId id="261" r:id="rId7"/>
     <p:sldId id="262" r:id="rId8"/>
     <p:sldId id="263" r:id="rId9"/>
+    <p:sldId id="264" r:id="rId10"/>
   </p:sldIdLst>
   <p:sldSz cx="12192000" cy="6858000"/>
   <p:notesSz cx="6858000" cy="9144000"/>
@@ -204,7 +205,7 @@
           <a:p>
             <a:fld id="{3EB974DE-2BD0-4A0D-9411-EFE7EB32600E}" type="datetimeFigureOut">
               <a:rPr lang="en-US" smtClean="0"/>
-              <a:t>10/15/2019</a:t>
+              <a:t>10/18/2019</a:t>
             </a:fld>
             <a:endParaRPr lang="en-US"/>
           </a:p>
@@ -712,7 +713,7 @@
           <a:p>
             <a:fld id="{A04A2C8A-F193-49B6-A533-BDA6DE21B1C7}" type="datetimeFigureOut">
               <a:rPr lang="en-US" smtClean="0"/>
-              <a:t>10/15/2019</a:t>
+              <a:t>10/18/2019</a:t>
             </a:fld>
             <a:endParaRPr lang="en-US"/>
           </a:p>
@@ -882,7 +883,7 @@
           <a:p>
             <a:fld id="{A04A2C8A-F193-49B6-A533-BDA6DE21B1C7}" type="datetimeFigureOut">
               <a:rPr lang="en-US" smtClean="0"/>
-              <a:t>10/15/2019</a:t>
+              <a:t>10/18/2019</a:t>
             </a:fld>
             <a:endParaRPr lang="en-US"/>
           </a:p>
@@ -1062,7 +1063,7 @@
           <a:p>
             <a:fld id="{A04A2C8A-F193-49B6-A533-BDA6DE21B1C7}" type="datetimeFigureOut">
               <a:rPr lang="en-US" smtClean="0"/>
-              <a:t>10/15/2019</a:t>
+              <a:t>10/18/2019</a:t>
             </a:fld>
             <a:endParaRPr lang="en-US"/>
           </a:p>
@@ -1232,7 +1233,7 @@
           <a:p>
             <a:fld id="{A04A2C8A-F193-49B6-A533-BDA6DE21B1C7}" type="datetimeFigureOut">
               <a:rPr lang="en-US" smtClean="0"/>
-              <a:t>10/15/2019</a:t>
+              <a:t>10/18/2019</a:t>
             </a:fld>
             <a:endParaRPr lang="en-US"/>
           </a:p>
@@ -1478,7 +1479,7 @@
           <a:p>
             <a:fld id="{A04A2C8A-F193-49B6-A533-BDA6DE21B1C7}" type="datetimeFigureOut">
               <a:rPr lang="en-US" smtClean="0"/>
-              <a:t>10/15/2019</a:t>
+              <a:t>10/18/2019</a:t>
             </a:fld>
             <a:endParaRPr lang="en-US"/>
           </a:p>
@@ -1710,7 +1711,7 @@
           <a:p>
             <a:fld id="{A04A2C8A-F193-49B6-A533-BDA6DE21B1C7}" type="datetimeFigureOut">
               <a:rPr lang="en-US" smtClean="0"/>
-              <a:t>10/15/2019</a:t>
+              <a:t>10/18/2019</a:t>
             </a:fld>
             <a:endParaRPr lang="en-US"/>
           </a:p>
@@ -2077,7 +2078,7 @@
           <a:p>
             <a:fld id="{A04A2C8A-F193-49B6-A533-BDA6DE21B1C7}" type="datetimeFigureOut">
               <a:rPr lang="en-US" smtClean="0"/>
-              <a:t>10/15/2019</a:t>
+              <a:t>10/18/2019</a:t>
             </a:fld>
             <a:endParaRPr lang="en-US"/>
           </a:p>
@@ -2195,7 +2196,7 @@
           <a:p>
             <a:fld id="{A04A2C8A-F193-49B6-A533-BDA6DE21B1C7}" type="datetimeFigureOut">
               <a:rPr lang="en-US" smtClean="0"/>
-              <a:t>10/15/2019</a:t>
+              <a:t>10/18/2019</a:t>
             </a:fld>
             <a:endParaRPr lang="en-US"/>
           </a:p>
@@ -2290,7 +2291,7 @@
           <a:p>
             <a:fld id="{A04A2C8A-F193-49B6-A533-BDA6DE21B1C7}" type="datetimeFigureOut">
               <a:rPr lang="en-US" smtClean="0"/>
-              <a:t>10/15/2019</a:t>
+              <a:t>10/18/2019</a:t>
             </a:fld>
             <a:endParaRPr lang="en-US"/>
           </a:p>
@@ -2567,7 +2568,7 @@
           <a:p>
             <a:fld id="{A04A2C8A-F193-49B6-A533-BDA6DE21B1C7}" type="datetimeFigureOut">
               <a:rPr lang="en-US" smtClean="0"/>
-              <a:t>10/15/2019</a:t>
+              <a:t>10/18/2019</a:t>
             </a:fld>
             <a:endParaRPr lang="en-US"/>
           </a:p>
@@ -2820,7 +2821,7 @@
           <a:p>
             <a:fld id="{A04A2C8A-F193-49B6-A533-BDA6DE21B1C7}" type="datetimeFigureOut">
               <a:rPr lang="en-US" smtClean="0"/>
-              <a:t>10/15/2019</a:t>
+              <a:t>10/18/2019</a:t>
             </a:fld>
             <a:endParaRPr lang="en-US"/>
           </a:p>
@@ -3033,7 +3034,7 @@
           <a:p>
             <a:fld id="{A04A2C8A-F193-49B6-A533-BDA6DE21B1C7}" type="datetimeFigureOut">
               <a:rPr lang="en-US" smtClean="0"/>
-              <a:t>10/15/2019</a:t>
+              <a:t>10/18/2019</a:t>
             </a:fld>
             <a:endParaRPr lang="en-US"/>
           </a:p>
@@ -5870,6 +5871,47 @@
           </a:p>
         </p:txBody>
       </p:sp>
+      <p:sp>
+        <p:nvSpPr>
+          <p:cNvPr id="3" name="Rectangle 2"/>
+          <p:cNvSpPr/>
+          <p:nvPr/>
+        </p:nvSpPr>
+        <p:spPr>
+          <a:xfrm>
+            <a:off x="4508626" y="5271721"/>
+            <a:ext cx="7979121" cy="369332"/>
+          </a:xfrm>
+          <a:prstGeom prst="rect">
+            <a:avLst/>
+          </a:prstGeom>
+        </p:spPr>
+        <p:txBody>
+          <a:bodyPr wrap="square">
+            <a:spAutoFit/>
+          </a:bodyPr>
+          <a:lstStyle/>
+          <a:p>
+            <a:r>
+              <a:rPr lang="en-US" dirty="0">
+                <a:hlinkClick r:id="rId2"/>
+              </a:rPr>
+              <a:t>https://</a:t>
+            </a:r>
+            <a:r>
+              <a:rPr lang="en-US" dirty="0" smtClean="0">
+                <a:hlinkClick r:id="rId2"/>
+              </a:rPr>
+              <a:t>github.com/ariebhewhe/FlutterDasar_2/blob/master/row.md</a:t>
+            </a:r>
+            <a:r>
+              <a:rPr lang="en-US" dirty="0" smtClean="0"/>
+              <a:t> </a:t>
+            </a:r>
+            <a:endParaRPr lang="en-US" dirty="0"/>
+          </a:p>
+        </p:txBody>
+      </p:sp>
     </p:spTree>
     <p:extLst>
       <p:ext uri="{BB962C8B-B14F-4D97-AF65-F5344CB8AC3E}">
@@ -6476,6 +6518,47 @@
           </a:p>
         </p:txBody>
       </p:sp>
+      <p:sp>
+        <p:nvSpPr>
+          <p:cNvPr id="15" name="Rectangle 14"/>
+          <p:cNvSpPr/>
+          <p:nvPr/>
+        </p:nvSpPr>
+        <p:spPr>
+          <a:xfrm>
+            <a:off x="4828514" y="5067607"/>
+            <a:ext cx="7094899" cy="369332"/>
+          </a:xfrm>
+          <a:prstGeom prst="rect">
+            <a:avLst/>
+          </a:prstGeom>
+        </p:spPr>
+        <p:txBody>
+          <a:bodyPr wrap="square">
+            <a:spAutoFit/>
+          </a:bodyPr>
+          <a:lstStyle/>
+          <a:p>
+            <a:r>
+              <a:rPr lang="en-US" dirty="0">
+                <a:hlinkClick r:id="rId2"/>
+              </a:rPr>
+              <a:t>https://</a:t>
+            </a:r>
+            <a:r>
+              <a:rPr lang="en-US" dirty="0" smtClean="0">
+                <a:hlinkClick r:id="rId2"/>
+              </a:rPr>
+              <a:t>github.com/ariebhewhe/FlutterDasar_2/blob/master/column.md</a:t>
+            </a:r>
+            <a:r>
+              <a:rPr lang="en-US" dirty="0" smtClean="0"/>
+              <a:t> </a:t>
+            </a:r>
+            <a:endParaRPr lang="en-US" dirty="0"/>
+          </a:p>
+        </p:txBody>
+      </p:sp>
     </p:spTree>
     <p:extLst>
       <p:ext uri="{BB962C8B-B14F-4D97-AF65-F5344CB8AC3E}">
@@ -6686,11 +6769,7 @@
             </a:r>
             <a:r>
               <a:rPr lang="en-ID" dirty="0" smtClean="0"/>
-              <a:t> </a:t>
-            </a:r>
-            <a:r>
-              <a:rPr lang="en-ID" dirty="0" smtClean="0"/>
-              <a:t>3</a:t>
+              <a:t> 3</a:t>
             </a:r>
             <a:endParaRPr lang="en-US" dirty="0"/>
           </a:p>
@@ -7031,11 +7110,7 @@
             </a:r>
             <a:r>
               <a:rPr lang="en-ID" dirty="0" smtClean="0"/>
-              <a:t> </a:t>
-            </a:r>
-            <a:r>
-              <a:rPr lang="en-ID" dirty="0" smtClean="0"/>
-              <a:t>4</a:t>
+              <a:t> 4</a:t>
             </a:r>
             <a:endParaRPr lang="en-US" dirty="0"/>
           </a:p>
@@ -7083,11 +7158,7 @@
             </a:r>
             <a:r>
               <a:rPr lang="en-ID" dirty="0" smtClean="0"/>
-              <a:t> </a:t>
-            </a:r>
-            <a:r>
-              <a:rPr lang="en-ID" dirty="0" smtClean="0"/>
-              <a:t>5</a:t>
+              <a:t> 5</a:t>
             </a:r>
             <a:endParaRPr lang="en-US" dirty="0"/>
           </a:p>
@@ -7135,11 +7206,7 @@
             </a:r>
             <a:r>
               <a:rPr lang="en-ID" b="1" dirty="0" smtClean="0"/>
-              <a:t> </a:t>
-            </a:r>
-            <a:r>
-              <a:rPr lang="en-ID" b="1" dirty="0" smtClean="0"/>
-              <a:t>6</a:t>
+              <a:t> 6</a:t>
             </a:r>
             <a:endParaRPr lang="en-US" b="1" dirty="0"/>
           </a:p>
@@ -7433,6 +7500,47 @@
             <a:r>
               <a:rPr lang="en-ID" dirty="0" err="1" smtClean="0"/>
               <a:t>Row_column</a:t>
+            </a:r>
+            <a:endParaRPr lang="en-US" dirty="0"/>
+          </a:p>
+        </p:txBody>
+      </p:sp>
+      <p:sp>
+        <p:nvSpPr>
+          <p:cNvPr id="4" name="Rectangle 3"/>
+          <p:cNvSpPr/>
+          <p:nvPr/>
+        </p:nvSpPr>
+        <p:spPr>
+          <a:xfrm>
+            <a:off x="1173932" y="5138833"/>
+            <a:ext cx="10097631" cy="369332"/>
+          </a:xfrm>
+          <a:prstGeom prst="rect">
+            <a:avLst/>
+          </a:prstGeom>
+        </p:spPr>
+        <p:txBody>
+          <a:bodyPr wrap="square">
+            <a:spAutoFit/>
+          </a:bodyPr>
+          <a:lstStyle/>
+          <a:p>
+            <a:r>
+              <a:rPr lang="en-US" dirty="0">
+                <a:hlinkClick r:id="rId2"/>
+              </a:rPr>
+              <a:t>https://</a:t>
+            </a:r>
+            <a:r>
+              <a:rPr lang="en-US" dirty="0" smtClean="0">
+                <a:hlinkClick r:id="rId2"/>
+              </a:rPr>
+              <a:t>github.com/ariebhewhe/FlutterDasar_2/blob/master/Column_isi_row.md</a:t>
+            </a:r>
+            <a:r>
+              <a:rPr lang="en-US" dirty="0" smtClean="0"/>
+              <a:t> </a:t>
             </a:r>
             <a:endParaRPr lang="en-US" dirty="0"/>
           </a:p>
@@ -8062,10 +8170,194 @@
           </a:p>
         </p:txBody>
       </p:sp>
+      <p:sp>
+        <p:nvSpPr>
+          <p:cNvPr id="7" name="Rectangle 6"/>
+          <p:cNvSpPr/>
+          <p:nvPr/>
+        </p:nvSpPr>
+        <p:spPr>
+          <a:xfrm>
+            <a:off x="1186003" y="5548874"/>
+            <a:ext cx="9967865" cy="369332"/>
+          </a:xfrm>
+          <a:prstGeom prst="rect">
+            <a:avLst/>
+          </a:prstGeom>
+        </p:spPr>
+        <p:txBody>
+          <a:bodyPr wrap="square">
+            <a:spAutoFit/>
+          </a:bodyPr>
+          <a:lstStyle/>
+          <a:p>
+            <a:r>
+              <a:rPr lang="en-US" dirty="0">
+                <a:hlinkClick r:id="rId2"/>
+              </a:rPr>
+              <a:t>https://</a:t>
+            </a:r>
+            <a:r>
+              <a:rPr lang="en-US" dirty="0" smtClean="0">
+                <a:hlinkClick r:id="rId2"/>
+              </a:rPr>
+              <a:t>github.com/ariebhewhe/FlutterDasar_2/blob/master/edgeinsets_all.md</a:t>
+            </a:r>
+            <a:r>
+              <a:rPr lang="en-US" dirty="0" smtClean="0"/>
+              <a:t> </a:t>
+            </a:r>
+            <a:endParaRPr lang="en-US" dirty="0"/>
+          </a:p>
+        </p:txBody>
+      </p:sp>
+      <p:sp>
+        <p:nvSpPr>
+          <p:cNvPr id="8" name="Rectangle 7"/>
+          <p:cNvSpPr/>
+          <p:nvPr/>
+        </p:nvSpPr>
+        <p:spPr>
+          <a:xfrm>
+            <a:off x="1186002" y="5969485"/>
+            <a:ext cx="8464991" cy="369332"/>
+          </a:xfrm>
+          <a:prstGeom prst="rect">
+            <a:avLst/>
+          </a:prstGeom>
+        </p:spPr>
+        <p:txBody>
+          <a:bodyPr wrap="square">
+            <a:spAutoFit/>
+          </a:bodyPr>
+          <a:lstStyle/>
+          <a:p>
+            <a:r>
+              <a:rPr lang="en-US" dirty="0">
+                <a:hlinkClick r:id="rId3"/>
+              </a:rPr>
+              <a:t>https://</a:t>
+            </a:r>
+            <a:r>
+              <a:rPr lang="en-US" dirty="0" smtClean="0">
+                <a:hlinkClick r:id="rId3"/>
+              </a:rPr>
+              <a:t>github.com/ariebhewhe/FlutterDasar_2/blob/master/edgeinsets_only.md</a:t>
+            </a:r>
+            <a:r>
+              <a:rPr lang="en-US" dirty="0" smtClean="0"/>
+              <a:t> </a:t>
+            </a:r>
+            <a:endParaRPr lang="en-US" dirty="0"/>
+          </a:p>
+        </p:txBody>
+      </p:sp>
     </p:spTree>
     <p:extLst>
       <p:ext uri="{BB962C8B-B14F-4D97-AF65-F5344CB8AC3E}">
         <p14:creationId xmlns:p14="http://schemas.microsoft.com/office/powerpoint/2010/main" val="721853042"/>
+      </p:ext>
+    </p:extLst>
+  </p:cSld>
+  <p:clrMapOvr>
+    <a:masterClrMapping/>
+  </p:clrMapOvr>
+</p:sld>
+</file>
+
+<file path=ppt/slides/slide9.xml><?xml version="1.0" encoding="utf-8"?>
+<p:sld xmlns:a="http://schemas.openxmlformats.org/drawingml/2006/main" xmlns:r="http://schemas.openxmlformats.org/officeDocument/2006/relationships" xmlns:p="http://schemas.openxmlformats.org/presentationml/2006/main">
+  <p:cSld>
+    <p:spTree>
+      <p:nvGrpSpPr>
+        <p:cNvPr id="1" name=""/>
+        <p:cNvGrpSpPr/>
+        <p:nvPr/>
+      </p:nvGrpSpPr>
+      <p:grpSpPr>
+        <a:xfrm>
+          <a:off x="0" y="0"/>
+          <a:ext cx="0" cy="0"/>
+          <a:chOff x="0" y="0"/>
+          <a:chExt cx="0" cy="0"/>
+        </a:xfrm>
+      </p:grpSpPr>
+      <p:sp>
+        <p:nvSpPr>
+          <p:cNvPr id="2" name="Title 1"/>
+          <p:cNvSpPr>
+            <a:spLocks noGrp="1"/>
+          </p:cNvSpPr>
+          <p:nvPr>
+            <p:ph type="title"/>
+          </p:nvPr>
+        </p:nvSpPr>
+        <p:spPr/>
+        <p:txBody>
+          <a:bodyPr/>
+          <a:lstStyle/>
+          <a:p>
+            <a:r>
+              <a:rPr lang="en-ID" dirty="0" err="1" smtClean="0"/>
+              <a:t>Contoh</a:t>
+            </a:r>
+            <a:r>
+              <a:rPr lang="en-ID" dirty="0" smtClean="0"/>
+              <a:t> </a:t>
+            </a:r>
+            <a:r>
+              <a:rPr lang="en-ID" dirty="0" err="1" smtClean="0"/>
+              <a:t>Aplikasi</a:t>
+            </a:r>
+            <a:endParaRPr lang="en-US" dirty="0"/>
+          </a:p>
+        </p:txBody>
+      </p:sp>
+      <p:sp>
+        <p:nvSpPr>
+          <p:cNvPr id="3" name="Rectangle 2"/>
+          <p:cNvSpPr/>
+          <p:nvPr/>
+        </p:nvSpPr>
+        <p:spPr>
+          <a:xfrm>
+            <a:off x="1294646" y="3105835"/>
+            <a:ext cx="7849354" cy="369332"/>
+          </a:xfrm>
+          <a:prstGeom prst="rect">
+            <a:avLst/>
+          </a:prstGeom>
+        </p:spPr>
+        <p:txBody>
+          <a:bodyPr wrap="square">
+            <a:spAutoFit/>
+          </a:bodyPr>
+          <a:lstStyle/>
+          <a:p>
+            <a:r>
+              <a:rPr lang="en-US" dirty="0">
+                <a:hlinkClick r:id="rId2"/>
+              </a:rPr>
+              <a:t>https://</a:t>
+            </a:r>
+            <a:r>
+              <a:rPr lang="en-US" dirty="0" smtClean="0">
+                <a:hlinkClick r:id="rId2"/>
+              </a:rPr>
+              <a:t>github.com/ariebhewhe/FlutterDasar_2/blob/master/ContohAplikasi.md</a:t>
+            </a:r>
+            <a:r>
+              <a:rPr lang="en-US" dirty="0" smtClean="0"/>
+              <a:t> </a:t>
+            </a:r>
+            <a:endParaRPr lang="en-US" dirty="0"/>
+          </a:p>
+        </p:txBody>
+      </p:sp>
+    </p:spTree>
+    <p:extLst>
+      <p:ext uri="{BB962C8B-B14F-4D97-AF65-F5344CB8AC3E}">
+        <p14:creationId xmlns:p14="http://schemas.microsoft.com/office/powerpoint/2010/main" val="2781590822"/>
       </p:ext>
     </p:extLst>
   </p:cSld>
